--- a/MISC_FILES/proj documentation/LMS_Presentation.pptx
+++ b/MISC_FILES/proj documentation/LMS_Presentation.pptx
@@ -3036,8 +3036,8 @@
               <a:t>Team Name : </a:t>
             </a:r>
             <a:r>
-              <a:rPr lang="en-US" sz="3600" dirty="0" err="1" smtClean="0"/>
-              <a:t>Caterpillers</a:t>
+              <a:rPr lang="en-US" sz="3600" dirty="0" smtClean="0"/>
+              <a:t>Caterpillars</a:t>
             </a:r>
             <a:endParaRPr lang="en-US" sz="3600" dirty="0" smtClean="0"/>
           </a:p>
@@ -3099,6 +3099,13 @@
   <p:clrMapOvr>
     <a:masterClrMapping/>
   </p:clrMapOvr>
+  <p:timing>
+    <p:tnLst>
+      <p:par>
+        <p:cTn id="1" dur="indefinite" restart="never" nodeType="tmRoot"/>
+      </p:par>
+    </p:tnLst>
+  </p:timing>
 </p:sld>
 </file>
 
@@ -3467,6 +3474,13 @@
   <p:clrMapOvr>
     <a:masterClrMapping/>
   </p:clrMapOvr>
+  <p:timing>
+    <p:tnLst>
+      <p:par>
+        <p:cTn id="1" dur="indefinite" restart="never" nodeType="tmRoot"/>
+      </p:par>
+    </p:tnLst>
+  </p:timing>
 </p:sld>
 </file>
 
@@ -3568,6 +3582,13 @@
   <p:clrMapOvr>
     <a:masterClrMapping/>
   </p:clrMapOvr>
+  <p:timing>
+    <p:tnLst>
+      <p:par>
+        <p:cTn id="1" dur="indefinite" restart="never" nodeType="tmRoot"/>
+      </p:par>
+    </p:tnLst>
+  </p:timing>
 </p:sld>
 </file>
 
@@ -3700,6 +3721,13 @@
   <p:clrMapOvr>
     <a:masterClrMapping/>
   </p:clrMapOvr>
+  <p:timing>
+    <p:tnLst>
+      <p:par>
+        <p:cTn id="1" dur="indefinite" restart="never" nodeType="tmRoot"/>
+      </p:par>
+    </p:tnLst>
+  </p:timing>
 </p:sld>
 </file>
 
@@ -3788,6 +3816,13 @@
   <p:clrMapOvr>
     <a:masterClrMapping/>
   </p:clrMapOvr>
+  <p:timing>
+    <p:tnLst>
+      <p:par>
+        <p:cTn id="1" dur="indefinite" restart="never" nodeType="tmRoot"/>
+      </p:par>
+    </p:tnLst>
+  </p:timing>
 </p:sld>
 </file>
 
@@ -3818,7 +3853,12 @@
             <p:ph type="title"/>
           </p:nvPr>
         </p:nvSpPr>
-        <p:spPr/>
+        <p:spPr>
+          <a:xfrm>
+            <a:off x="838200" y="-1730"/>
+            <a:ext cx="10515600" cy="1325563"/>
+          </a:xfrm>
+        </p:spPr>
         <p:txBody>
           <a:bodyPr/>
           <a:lstStyle/>
@@ -3842,12 +3882,63 @@
             <p:ph idx="1"/>
           </p:nvPr>
         </p:nvSpPr>
-        <p:spPr/>
-        <p:txBody>
-          <a:bodyPr/>
-          <a:lstStyle/>
-          <a:p>
-            <a:endParaRPr lang="en-US"/>
+        <p:spPr>
+          <a:xfrm>
+            <a:off x="838200" y="1323832"/>
+            <a:ext cx="10515600" cy="5172501"/>
+          </a:xfrm>
+        </p:spPr>
+        <p:txBody>
+          <a:bodyPr>
+            <a:normAutofit/>
+          </a:bodyPr>
+          <a:lstStyle/>
+          <a:p>
+            <a:r>
+              <a:rPr lang="en-US" dirty="0" smtClean="0"/>
+              <a:t>In LMS, </a:t>
+            </a:r>
+            <a:r>
+              <a:rPr lang="en-US" dirty="0" err="1" smtClean="0"/>
+              <a:t>MySql</a:t>
+            </a:r>
+            <a:r>
+              <a:rPr lang="en-US" dirty="0" smtClean="0"/>
+              <a:t> is used to persist data. This data is accessed using JPA. We have used </a:t>
+            </a:r>
+            <a:r>
+              <a:rPr lang="en-US" dirty="0" err="1" smtClean="0"/>
+              <a:t>Eclipselink</a:t>
+            </a:r>
+            <a:r>
+              <a:rPr lang="en-US" dirty="0" smtClean="0"/>
+              <a:t> implementation of JPA which comes standard with Eclipse IDE.</a:t>
+            </a:r>
+          </a:p>
+          <a:p>
+            <a:r>
+              <a:rPr lang="en-US" dirty="0" smtClean="0"/>
+              <a:t>This data is accessed by Java Web Service and servlets to respond to the requests made by the clients. Jersey is used as the JWS endpoint and Jackson is used to serialize java objects into JSON objects.</a:t>
+            </a:r>
+          </a:p>
+          <a:p>
+            <a:r>
+              <a:rPr lang="en-US" dirty="0" smtClean="0"/>
+              <a:t>In LMS, AJAX has been used in most places to request data from the server. The response, JSON, is used to render the view on the browser. Rendering of UI is managed using jQuery.</a:t>
+            </a:r>
+          </a:p>
+          <a:p>
+            <a:r>
+              <a:rPr lang="en-US" dirty="0" smtClean="0"/>
+              <a:t>We have used Twitter Bootstrap for UI.</a:t>
+            </a:r>
+          </a:p>
+          <a:p>
+            <a:r>
+              <a:rPr lang="en-US" dirty="0" smtClean="0"/>
+              <a:t>This web application is hosted using Apache Tomcat.</a:t>
+            </a:r>
+            <a:endParaRPr lang="en-US" dirty="0"/>
           </a:p>
         </p:txBody>
       </p:sp>
@@ -3861,6 +3952,13 @@
   <p:clrMapOvr>
     <a:masterClrMapping/>
   </p:clrMapOvr>
+  <p:timing>
+    <p:tnLst>
+      <p:par>
+        <p:cTn id="1" dur="indefinite" restart="never" nodeType="tmRoot"/>
+      </p:par>
+    </p:tnLst>
+  </p:timing>
 </p:sld>
 </file>
 
@@ -4581,6 +4679,13 @@
   <p:clrMapOvr>
     <a:masterClrMapping/>
   </p:clrMapOvr>
+  <p:timing>
+    <p:tnLst>
+      <p:par>
+        <p:cTn id="1" dur="indefinite" restart="never" nodeType="tmRoot"/>
+      </p:par>
+    </p:tnLst>
+  </p:timing>
 </p:sld>
 </file>
 
